--- a/Lancaster/Reporte_03  Calibración Nacional/EDC_CalibracionNacional_06032019_Graduado-Semaforo.pptx
+++ b/Lancaster/Reporte_03  Calibración Nacional/EDC_CalibracionNacional_06032019_Graduado-Semaforo.pptx
@@ -125,7 +125,7 @@
   </p:defaultTextStyle>
   <p:extLst>
     <p:ext uri="{EFAFB233-063F-42B5-8137-9DF3F51BA10A}">
-      <p15:sldGuideLst xmlns:p15="http://schemas.microsoft.com/office/powerpoint/2012/main">
+      <p15:sldGuideLst xmlns:p15="http://schemas.microsoft.com/office/powerpoint/2012/main" xmlns="">
         <p15:guide id="1" orient="horz" pos="2160" userDrawn="1">
           <p15:clr>
             <a:srgbClr val="A4A3A4"/>
@@ -224,7 +224,7 @@
           <a:p>
             <a:fld id="{BF966F81-9395-4920-A853-233DD2862205}" type="datetimeFigureOut">
               <a:rPr lang="es-MX" smtClean="0"/>
-              <a:t>06/03/2019</a:t>
+              <a:t>28/04/2019</a:t>
             </a:fld>
             <a:endParaRPr lang="es-MX"/>
           </a:p>
@@ -959,7 +959,7 @@
           <a:p>
             <a:fld id="{B6156DEE-E6EE-456C-84BD-89DB222967A8}" type="datetimeFigureOut">
               <a:rPr lang="es-MX" smtClean="0"/>
-              <a:t>06/03/2019</a:t>
+              <a:t>28/04/2019</a:t>
             </a:fld>
             <a:endParaRPr lang="es-MX"/>
           </a:p>
@@ -1129,7 +1129,7 @@
           <a:p>
             <a:fld id="{B6156DEE-E6EE-456C-84BD-89DB222967A8}" type="datetimeFigureOut">
               <a:rPr lang="es-MX" smtClean="0"/>
-              <a:t>06/03/2019</a:t>
+              <a:t>28/04/2019</a:t>
             </a:fld>
             <a:endParaRPr lang="es-MX"/>
           </a:p>
@@ -1309,7 +1309,7 @@
           <a:p>
             <a:fld id="{B6156DEE-E6EE-456C-84BD-89DB222967A8}" type="datetimeFigureOut">
               <a:rPr lang="es-MX" smtClean="0"/>
-              <a:t>06/03/2019</a:t>
+              <a:t>28/04/2019</a:t>
             </a:fld>
             <a:endParaRPr lang="es-MX"/>
           </a:p>
@@ -1479,7 +1479,7 @@
           <a:p>
             <a:fld id="{B6156DEE-E6EE-456C-84BD-89DB222967A8}" type="datetimeFigureOut">
               <a:rPr lang="es-MX" smtClean="0"/>
-              <a:t>06/03/2019</a:t>
+              <a:t>28/04/2019</a:t>
             </a:fld>
             <a:endParaRPr lang="es-MX"/>
           </a:p>
@@ -1725,7 +1725,7 @@
           <a:p>
             <a:fld id="{B6156DEE-E6EE-456C-84BD-89DB222967A8}" type="datetimeFigureOut">
               <a:rPr lang="es-MX" smtClean="0"/>
-              <a:t>06/03/2019</a:t>
+              <a:t>28/04/2019</a:t>
             </a:fld>
             <a:endParaRPr lang="es-MX"/>
           </a:p>
@@ -1957,7 +1957,7 @@
           <a:p>
             <a:fld id="{B6156DEE-E6EE-456C-84BD-89DB222967A8}" type="datetimeFigureOut">
               <a:rPr lang="es-MX" smtClean="0"/>
-              <a:t>06/03/2019</a:t>
+              <a:t>28/04/2019</a:t>
             </a:fld>
             <a:endParaRPr lang="es-MX"/>
           </a:p>
@@ -2324,7 +2324,7 @@
           <a:p>
             <a:fld id="{B6156DEE-E6EE-456C-84BD-89DB222967A8}" type="datetimeFigureOut">
               <a:rPr lang="es-MX" smtClean="0"/>
-              <a:t>06/03/2019</a:t>
+              <a:t>28/04/2019</a:t>
             </a:fld>
             <a:endParaRPr lang="es-MX"/>
           </a:p>
@@ -2442,7 +2442,7 @@
           <a:p>
             <a:fld id="{B6156DEE-E6EE-456C-84BD-89DB222967A8}" type="datetimeFigureOut">
               <a:rPr lang="es-MX" smtClean="0"/>
-              <a:t>06/03/2019</a:t>
+              <a:t>28/04/2019</a:t>
             </a:fld>
             <a:endParaRPr lang="es-MX"/>
           </a:p>
@@ -2537,7 +2537,7 @@
           <a:p>
             <a:fld id="{B6156DEE-E6EE-456C-84BD-89DB222967A8}" type="datetimeFigureOut">
               <a:rPr lang="es-MX" smtClean="0"/>
-              <a:t>06/03/2019</a:t>
+              <a:t>28/04/2019</a:t>
             </a:fld>
             <a:endParaRPr lang="es-MX"/>
           </a:p>
@@ -2814,7 +2814,7 @@
           <a:p>
             <a:fld id="{B6156DEE-E6EE-456C-84BD-89DB222967A8}" type="datetimeFigureOut">
               <a:rPr lang="es-MX" smtClean="0"/>
-              <a:t>06/03/2019</a:t>
+              <a:t>28/04/2019</a:t>
             </a:fld>
             <a:endParaRPr lang="es-MX"/>
           </a:p>
@@ -3067,7 +3067,7 @@
           <a:p>
             <a:fld id="{B6156DEE-E6EE-456C-84BD-89DB222967A8}" type="datetimeFigureOut">
               <a:rPr lang="es-MX" smtClean="0"/>
-              <a:t>06/03/2019</a:t>
+              <a:t>28/04/2019</a:t>
             </a:fld>
             <a:endParaRPr lang="es-MX"/>
           </a:p>
@@ -3280,7 +3280,7 @@
           <a:p>
             <a:fld id="{B6156DEE-E6EE-456C-84BD-89DB222967A8}" type="datetimeFigureOut">
               <a:rPr lang="es-MX" smtClean="0"/>
-              <a:t>06/03/2019</a:t>
+              <a:t>28/04/2019</a:t>
             </a:fld>
             <a:endParaRPr lang="es-MX"/>
           </a:p>
@@ -3667,7 +3667,7 @@
   </p:txStyles>
   <p:extLst>
     <p:ext uri="{27BBF7A9-308A-43DC-89C8-2F10F3537804}">
-      <p15:sldGuideLst xmlns:p15="http://schemas.microsoft.com/office/powerpoint/2012/main"/>
+      <p15:sldGuideLst xmlns:p15="http://schemas.microsoft.com/office/powerpoint/2012/main" xmlns=""/>
     </p:ext>
   </p:extLst>
 </p:sldMaster>
@@ -3834,6 +3834,13 @@
   <p:clrMapOvr>
     <a:masterClrMapping/>
   </p:clrMapOvr>
+  <p:timing>
+    <p:tnLst>
+      <p:par>
+        <p:cTn id="1" dur="indefinite" restart="never" nodeType="tmRoot"/>
+      </p:par>
+    </p:tnLst>
+  </p:timing>
 </p:sld>
 </file>
 
@@ -3911,14 +3918,14 @@
           <p:nvPr>
             <p:extLst>
               <p:ext uri="{D42A27DB-BD31-4B8C-83A1-F6EECF244321}">
-                <p14:modId xmlns:p14="http://schemas.microsoft.com/office/powerpoint/2010/main" val="3989174112"/>
+                <p14:modId xmlns:p14="http://schemas.microsoft.com/office/powerpoint/2010/main" val="1882254583"/>
               </p:ext>
             </p:extLst>
           </p:nvPr>
         </p:nvGraphicFramePr>
         <p:xfrm>
-          <a:off x="141192" y="4913696"/>
-          <a:ext cx="11658604" cy="1584960"/>
+          <a:off x="1733629" y="4849586"/>
+          <a:ext cx="8877142" cy="1665630"/>
         </p:xfrm>
         <a:graphic>
           <a:graphicData uri="http://schemas.openxmlformats.org/drawingml/2006/table">
@@ -3927,14 +3934,14 @@
                 <a:tableStyleId>{2D5ABB26-0587-4C30-8999-92F81FD0307C}</a:tableStyleId>
               </a:tblPr>
               <a:tblGrid>
-                <a:gridCol w="488579"/>
-                <a:gridCol w="3074895"/>
-                <a:gridCol w="493058"/>
-                <a:gridCol w="3155577"/>
-                <a:gridCol w="466165"/>
-                <a:gridCol w="3980330"/>
+                <a:gridCol w="372016"/>
+                <a:gridCol w="2341299"/>
+                <a:gridCol w="375426"/>
+                <a:gridCol w="2402732"/>
+                <a:gridCol w="354950"/>
+                <a:gridCol w="3030719"/>
               </a:tblGrid>
-              <a:tr h="385016">
+              <a:tr h="431190">
                 <a:tc>
                   <a:txBody>
                     <a:bodyPr/>
@@ -3942,7 +3949,7 @@
                     <a:p>
                       <a:pPr marL="0" algn="l" defTabSz="914400" rtl="0" eaLnBrk="1" latinLnBrk="0" hangingPunct="1"/>
                       <a:r>
-                        <a:rPr lang="es-MX" sz="1000" b="1" kern="1200" baseline="0" dirty="0" smtClean="0">
+                        <a:rPr lang="es-MX" sz="900" b="1" kern="1200" baseline="0" dirty="0" smtClean="0">
                           <a:solidFill>
                             <a:schemeClr val="accent1">
                               <a:lumMod val="50000"/>
@@ -3952,9 +3959,9 @@
                           <a:ea typeface="+mn-ea"/>
                           <a:cs typeface="+mn-cs"/>
                         </a:rPr>
-                        <a:t>H101 </a:t>
-                      </a:r>
-                      <a:endParaRPr lang="es-MX" sz="1000" b="1" kern="1200" baseline="0" dirty="0">
+                        <a:t>1</a:t>
+                      </a:r>
+                      <a:endParaRPr lang="es-MX" sz="900" b="1" kern="1200" baseline="0" dirty="0">
                         <a:solidFill>
                           <a:schemeClr val="accent1">
                             <a:lumMod val="50000"/>
@@ -3982,7 +3989,7 @@
                     <a:p>
                       <a:pPr marL="0" algn="l" defTabSz="914400" rtl="0" eaLnBrk="1" latinLnBrk="0" hangingPunct="1"/>
                       <a:r>
-                        <a:rPr lang="es-MX" sz="1000" kern="1200" baseline="0" dirty="0" smtClean="0">
+                        <a:rPr lang="es-MX" sz="900" kern="1200" baseline="0" dirty="0" smtClean="0">
                           <a:solidFill>
                             <a:schemeClr val="tx1"/>
                           </a:solidFill>
@@ -3992,7 +3999,7 @@
                         </a:rPr>
                         <a:t>Comprensión de problemas matemáticos contextualizados</a:t>
                       </a:r>
-                      <a:endParaRPr lang="es-MX" sz="1000" kern="1200" baseline="0" dirty="0">
+                      <a:endParaRPr lang="es-MX" sz="900" kern="1200" baseline="0" dirty="0">
                         <a:solidFill>
                           <a:schemeClr val="tx1"/>
                         </a:solidFill>
@@ -4018,7 +4025,7 @@
                     <a:p>
                       <a:pPr marL="0" algn="l" defTabSz="914400" rtl="0" eaLnBrk="1" latinLnBrk="0" hangingPunct="1"/>
                       <a:r>
-                        <a:rPr lang="es-MX" sz="1000" b="1" kern="1200" baseline="0" dirty="0" smtClean="0">
+                        <a:rPr lang="es-MX" sz="900" b="1" kern="1200" baseline="0" dirty="0" smtClean="0">
                           <a:solidFill>
                             <a:schemeClr val="accent1">
                               <a:lumMod val="50000"/>
@@ -4028,9 +4035,9 @@
                           <a:ea typeface="+mn-ea"/>
                           <a:cs typeface="+mn-cs"/>
                         </a:rPr>
-                        <a:t>H105</a:t>
-                      </a:r>
-                      <a:endParaRPr lang="es-MX" sz="1000" b="1" kern="1200" baseline="0" dirty="0">
+                        <a:t>5</a:t>
+                      </a:r>
+                      <a:endParaRPr lang="es-MX" sz="900" b="1" kern="1200" baseline="0" dirty="0">
                         <a:solidFill>
                           <a:schemeClr val="accent1">
                             <a:lumMod val="50000"/>
@@ -4058,7 +4065,7 @@
                     <a:p>
                       <a:pPr marL="0" algn="l" defTabSz="914400" rtl="0" eaLnBrk="1" latinLnBrk="0" hangingPunct="1"/>
                       <a:r>
-                        <a:rPr lang="es-MX" sz="1000" kern="1200" baseline="0" dirty="0" smtClean="0">
+                        <a:rPr lang="es-MX" sz="900" kern="1200" baseline="0" dirty="0" smtClean="0">
                           <a:solidFill>
                             <a:schemeClr val="tx1"/>
                           </a:solidFill>
@@ -4068,7 +4075,7 @@
                         </a:rPr>
                         <a:t>Aplicación de operaciones aritméticas básicas</a:t>
                       </a:r>
-                      <a:endParaRPr lang="es-MX" sz="1000" kern="1200" baseline="0" dirty="0">
+                      <a:endParaRPr lang="es-MX" sz="900" kern="1200" baseline="0" dirty="0">
                         <a:solidFill>
                           <a:schemeClr val="tx1"/>
                         </a:solidFill>
@@ -4094,7 +4101,7 @@
                     <a:p>
                       <a:pPr marL="0" algn="l" defTabSz="914400" rtl="0" eaLnBrk="1" latinLnBrk="0" hangingPunct="1"/>
                       <a:r>
-                        <a:rPr lang="es-MX" sz="1000" b="1" kern="1200" baseline="0" dirty="0" smtClean="0">
+                        <a:rPr lang="es-MX" sz="900" b="1" kern="1200" baseline="0" dirty="0" smtClean="0">
                           <a:solidFill>
                             <a:schemeClr val="accent1">
                               <a:lumMod val="50000"/>
@@ -4104,9 +4111,9 @@
                           <a:ea typeface="+mn-ea"/>
                           <a:cs typeface="+mn-cs"/>
                         </a:rPr>
-                        <a:t>H109</a:t>
-                      </a:r>
-                      <a:endParaRPr lang="es-MX" sz="1000" b="1" kern="1200" baseline="0" dirty="0">
+                        <a:t>9</a:t>
+                      </a:r>
+                      <a:endParaRPr lang="es-MX" sz="900" b="1" kern="1200" baseline="0" dirty="0">
                         <a:solidFill>
                           <a:schemeClr val="accent1">
                             <a:lumMod val="50000"/>
@@ -4134,7 +4141,7 @@
                     <a:p>
                       <a:pPr marL="0" algn="l" defTabSz="914400" rtl="0" eaLnBrk="1" latinLnBrk="0" hangingPunct="1"/>
                       <a:r>
-                        <a:rPr lang="es-MX" sz="1000" kern="1200" baseline="0" dirty="0" smtClean="0">
+                        <a:rPr lang="es-MX" sz="900" kern="1200" baseline="0" dirty="0" smtClean="0">
                           <a:solidFill>
                             <a:schemeClr val="tx1"/>
                           </a:solidFill>
@@ -4144,7 +4151,7 @@
                         </a:rPr>
                         <a:t>Identificación gráfica de tipos de líneas rectas (paralelas, perpendiculares y secantes)</a:t>
                       </a:r>
-                      <a:endParaRPr lang="es-MX" sz="1000" kern="1200" baseline="0" dirty="0">
+                      <a:endParaRPr lang="es-MX" sz="900" kern="1200" baseline="0" dirty="0">
                         <a:solidFill>
                           <a:schemeClr val="tx1"/>
                         </a:solidFill>
@@ -4172,7 +4179,7 @@
                     <a:p>
                       <a:pPr marL="0" algn="l" defTabSz="914400" rtl="0" eaLnBrk="1" latinLnBrk="0" hangingPunct="1"/>
                       <a:r>
-                        <a:rPr lang="es-MX" sz="1000" b="1" kern="1200" baseline="0" dirty="0" smtClean="0">
+                        <a:rPr lang="es-ES" sz="900" b="1" kern="1200" baseline="0" dirty="0" smtClean="0">
                           <a:solidFill>
                             <a:schemeClr val="accent1">
                               <a:lumMod val="50000"/>
@@ -4182,9 +4189,9 @@
                           <a:ea typeface="+mn-ea"/>
                           <a:cs typeface="+mn-cs"/>
                         </a:rPr>
-                        <a:t>H102</a:t>
-                      </a:r>
-                      <a:endParaRPr lang="es-MX" sz="1000" b="1" kern="1200" baseline="0" dirty="0">
+                        <a:t>2</a:t>
+                      </a:r>
+                      <a:endParaRPr lang="es-MX" sz="900" b="1" kern="1200" baseline="0" dirty="0">
                         <a:solidFill>
                           <a:schemeClr val="accent1">
                             <a:lumMod val="50000"/>
@@ -4212,7 +4219,7 @@
                     <a:p>
                       <a:pPr marL="0" algn="l" defTabSz="914400" rtl="0" eaLnBrk="1" latinLnBrk="0" hangingPunct="1"/>
                       <a:r>
-                        <a:rPr lang="es-MX" sz="1000" kern="1200" baseline="0" dirty="0" smtClean="0">
+                        <a:rPr lang="es-MX" sz="900" kern="1200" baseline="0" dirty="0" smtClean="0">
                           <a:solidFill>
                             <a:schemeClr val="tx1"/>
                           </a:solidFill>
@@ -4222,7 +4229,7 @@
                         </a:rPr>
                         <a:t>Comprensión del Sistema Internacional de Unidades </a:t>
                       </a:r>
-                      <a:endParaRPr lang="es-MX" sz="1000" kern="1200" baseline="0" dirty="0">
+                      <a:endParaRPr lang="es-MX" sz="900" kern="1200" baseline="0" dirty="0">
                         <a:solidFill>
                           <a:schemeClr val="tx1"/>
                         </a:solidFill>
@@ -4248,7 +4255,7 @@
                     <a:p>
                       <a:pPr marL="0" algn="l" defTabSz="914400" rtl="0" eaLnBrk="1" latinLnBrk="0" hangingPunct="1"/>
                       <a:r>
-                        <a:rPr lang="es-MX" sz="1000" b="1" kern="1200" baseline="0" dirty="0" smtClean="0">
+                        <a:rPr lang="es-MX" sz="900" b="1" kern="1200" baseline="0" dirty="0" smtClean="0">
                           <a:solidFill>
                             <a:schemeClr val="accent1">
                               <a:lumMod val="50000"/>
@@ -4258,9 +4265,9 @@
                           <a:ea typeface="+mn-ea"/>
                           <a:cs typeface="+mn-cs"/>
                         </a:rPr>
-                        <a:t>H106</a:t>
-                      </a:r>
-                      <a:endParaRPr lang="es-MX" sz="1000" b="1" kern="1200" baseline="0" dirty="0">
+                        <a:t>6</a:t>
+                      </a:r>
+                      <a:endParaRPr lang="es-MX" sz="900" b="1" kern="1200" baseline="0" dirty="0">
                         <a:solidFill>
                           <a:schemeClr val="accent1">
                             <a:lumMod val="50000"/>
@@ -4288,7 +4295,7 @@
                     <a:p>
                       <a:pPr marL="0" algn="l" defTabSz="914400" rtl="0" eaLnBrk="1" latinLnBrk="0" hangingPunct="1"/>
                       <a:r>
-                        <a:rPr lang="es-MX" sz="1000" kern="1200" baseline="0" dirty="0" smtClean="0">
+                        <a:rPr lang="es-MX" sz="900" kern="1200" baseline="0" dirty="0" smtClean="0">
                           <a:solidFill>
                             <a:schemeClr val="tx1"/>
                           </a:solidFill>
@@ -4298,7 +4305,7 @@
                         </a:rPr>
                         <a:t>Definición de tecnicismos del lenguaje formal de la geometría</a:t>
                       </a:r>
-                      <a:endParaRPr lang="es-MX" sz="1000" kern="1200" baseline="0" dirty="0">
+                      <a:endParaRPr lang="es-MX" sz="900" kern="1200" baseline="0" dirty="0">
                         <a:solidFill>
                           <a:schemeClr val="tx1"/>
                         </a:solidFill>
@@ -4324,7 +4331,7 @@
                     <a:p>
                       <a:pPr marL="0" algn="l" defTabSz="914400" rtl="0" eaLnBrk="1" latinLnBrk="0" hangingPunct="1"/>
                       <a:r>
-                        <a:rPr lang="es-MX" sz="1000" b="1" kern="1200" baseline="0" dirty="0" smtClean="0">
+                        <a:rPr lang="es-MX" sz="900" b="1" kern="1200" baseline="0" dirty="0" smtClean="0">
                           <a:solidFill>
                             <a:schemeClr val="accent1">
                               <a:lumMod val="50000"/>
@@ -4334,9 +4341,9 @@
                           <a:ea typeface="+mn-ea"/>
                           <a:cs typeface="+mn-cs"/>
                         </a:rPr>
-                        <a:t>H110</a:t>
-                      </a:r>
-                      <a:endParaRPr lang="es-MX" sz="1000" b="1" kern="1200" baseline="0" dirty="0">
+                        <a:t>10</a:t>
+                      </a:r>
+                      <a:endParaRPr lang="es-MX" sz="900" b="1" kern="1200" baseline="0" dirty="0">
                         <a:solidFill>
                           <a:schemeClr val="accent1">
                             <a:lumMod val="50000"/>
@@ -4364,7 +4371,7 @@
                     <a:p>
                       <a:pPr marL="0" algn="l" defTabSz="914400" rtl="0" eaLnBrk="1" latinLnBrk="0" hangingPunct="1"/>
                       <a:r>
-                        <a:rPr lang="es-MX" sz="1000" kern="1200" baseline="0" dirty="0" smtClean="0">
+                        <a:rPr lang="es-MX" sz="900" kern="1200" baseline="0" dirty="0" smtClean="0">
                           <a:solidFill>
                             <a:schemeClr val="tx1"/>
                           </a:solidFill>
@@ -4374,7 +4381,7 @@
                         </a:rPr>
                         <a:t>Representación del modelo aritmético para calcular el perímetro de una figura geométrica (triángulo o cuadrilátero) </a:t>
                       </a:r>
-                      <a:endParaRPr lang="es-MX" sz="1000" kern="1200" baseline="0" dirty="0">
+                      <a:endParaRPr lang="es-MX" sz="900" kern="1200" baseline="0" dirty="0">
                         <a:solidFill>
                           <a:schemeClr val="tx1"/>
                         </a:solidFill>
@@ -4402,7 +4409,7 @@
                     <a:p>
                       <a:pPr marL="0" algn="l" defTabSz="914400" rtl="0" eaLnBrk="1" latinLnBrk="0" hangingPunct="1"/>
                       <a:r>
-                        <a:rPr lang="es-MX" sz="1000" b="1" kern="1200" baseline="0" dirty="0" smtClean="0">
+                        <a:rPr lang="es-ES" sz="900" b="1" kern="1200" baseline="0" dirty="0" smtClean="0">
                           <a:solidFill>
                             <a:schemeClr val="accent1">
                               <a:lumMod val="50000"/>
@@ -4412,9 +4419,9 @@
                           <a:ea typeface="+mn-ea"/>
                           <a:cs typeface="+mn-cs"/>
                         </a:rPr>
-                        <a:t>H103 </a:t>
-                      </a:r>
-                      <a:endParaRPr lang="es-MX" sz="1000" b="1" kern="1200" baseline="0" dirty="0">
+                        <a:t>3</a:t>
+                      </a:r>
+                      <a:endParaRPr lang="es-MX" sz="900" b="1" kern="1200" baseline="0" dirty="0">
                         <a:solidFill>
                           <a:schemeClr val="accent1">
                             <a:lumMod val="50000"/>
@@ -4442,7 +4449,7 @@
                     <a:p>
                       <a:pPr marL="0" algn="l" defTabSz="914400" rtl="0" eaLnBrk="1" latinLnBrk="0" hangingPunct="1"/>
                       <a:r>
-                        <a:rPr lang="es-MX" sz="1000" kern="1200" baseline="0" dirty="0" smtClean="0">
+                        <a:rPr lang="es-MX" sz="900" kern="1200" baseline="0" dirty="0" smtClean="0">
                           <a:solidFill>
                             <a:schemeClr val="tx1"/>
                           </a:solidFill>
@@ -4452,7 +4459,7 @@
                         </a:rPr>
                         <a:t>Operación de valores posicionales con números naturales y decimales </a:t>
                       </a:r>
-                      <a:endParaRPr lang="es-MX" sz="1000" kern="1200" baseline="0" dirty="0">
+                      <a:endParaRPr lang="es-MX" sz="900" kern="1200" baseline="0" dirty="0">
                         <a:solidFill>
                           <a:schemeClr val="tx1"/>
                         </a:solidFill>
@@ -4478,7 +4485,7 @@
                     <a:p>
                       <a:pPr marL="0" algn="l" defTabSz="914400" rtl="0" eaLnBrk="1" latinLnBrk="0" hangingPunct="1"/>
                       <a:r>
-                        <a:rPr lang="es-MX" sz="1000" b="1" kern="1200" baseline="0" dirty="0" smtClean="0">
+                        <a:rPr lang="es-MX" sz="900" b="1" kern="1200" baseline="0" dirty="0" smtClean="0">
                           <a:solidFill>
                             <a:schemeClr val="accent1">
                               <a:lumMod val="50000"/>
@@ -4488,9 +4495,9 @@
                           <a:ea typeface="+mn-ea"/>
                           <a:cs typeface="+mn-cs"/>
                         </a:rPr>
-                        <a:t>H107</a:t>
-                      </a:r>
-                      <a:endParaRPr lang="es-MX" sz="1000" b="1" kern="1200" baseline="0" dirty="0">
+                        <a:t>7</a:t>
+                      </a:r>
+                      <a:endParaRPr lang="es-MX" sz="900" b="1" kern="1200" baseline="0" dirty="0">
                         <a:solidFill>
                           <a:schemeClr val="accent1">
                             <a:lumMod val="50000"/>
@@ -4518,7 +4525,7 @@
                     <a:p>
                       <a:pPr marL="0" algn="l" defTabSz="914400" rtl="0" eaLnBrk="1" latinLnBrk="0" hangingPunct="1"/>
                       <a:r>
-                        <a:rPr lang="es-MX" sz="1000" kern="1200" baseline="0" dirty="0" smtClean="0">
+                        <a:rPr lang="es-MX" sz="900" kern="1200" baseline="0" dirty="0" smtClean="0">
                           <a:solidFill>
                             <a:schemeClr val="tx1"/>
                           </a:solidFill>
@@ -4528,7 +4535,7 @@
                         </a:rPr>
                         <a:t>Representación viso-espacial de figuras geométricas</a:t>
                       </a:r>
-                      <a:endParaRPr lang="es-MX" sz="1000" kern="1200" baseline="0" dirty="0">
+                      <a:endParaRPr lang="es-MX" sz="900" kern="1200" baseline="0" dirty="0">
                         <a:solidFill>
                           <a:schemeClr val="tx1"/>
                         </a:solidFill>
@@ -4554,7 +4561,7 @@
                     <a:p>
                       <a:pPr marL="0" algn="l" defTabSz="914400" rtl="0" eaLnBrk="1" latinLnBrk="0" hangingPunct="1"/>
                       <a:r>
-                        <a:rPr lang="es-MX" sz="1000" b="1" kern="1200" baseline="0" dirty="0" smtClean="0">
+                        <a:rPr lang="es-ES" sz="900" b="1" kern="1200" baseline="0" dirty="0" smtClean="0">
                           <a:solidFill>
                             <a:schemeClr val="accent1">
                               <a:lumMod val="50000"/>
@@ -4564,9 +4571,9 @@
                           <a:ea typeface="+mn-ea"/>
                           <a:cs typeface="+mn-cs"/>
                         </a:rPr>
-                        <a:t>H111</a:t>
-                      </a:r>
-                      <a:endParaRPr lang="es-MX" sz="1000" b="1" kern="1200" baseline="0" dirty="0">
+                        <a:t>11</a:t>
+                      </a:r>
+                      <a:endParaRPr lang="es-MX" sz="900" b="1" kern="1200" baseline="0" dirty="0">
                         <a:solidFill>
                           <a:schemeClr val="accent1">
                             <a:lumMod val="50000"/>
@@ -4594,7 +4601,7 @@
                     <a:p>
                       <a:pPr marL="0" algn="l" defTabSz="914400" rtl="0" eaLnBrk="1" latinLnBrk="0" hangingPunct="1"/>
                       <a:r>
-                        <a:rPr lang="es-MX" sz="1000" kern="1200" baseline="0" dirty="0" smtClean="0">
+                        <a:rPr lang="es-MX" sz="900" kern="1200" baseline="0" dirty="0" smtClean="0">
                           <a:solidFill>
                             <a:schemeClr val="tx1"/>
                           </a:solidFill>
@@ -4604,7 +4611,7 @@
                         </a:rPr>
                         <a:t>Representación del modelo aritmético para calcular el área de cuadriláteros o triángulos </a:t>
                       </a:r>
-                      <a:endParaRPr lang="es-MX" sz="1000" kern="1200" baseline="0" dirty="0">
+                      <a:endParaRPr lang="es-MX" sz="900" kern="1200" baseline="0" dirty="0">
                         <a:solidFill>
                           <a:schemeClr val="tx1"/>
                         </a:solidFill>
@@ -4632,7 +4639,7 @@
                     <a:p>
                       <a:pPr marL="0" algn="l" defTabSz="914400" rtl="0" eaLnBrk="1" latinLnBrk="0" hangingPunct="1"/>
                       <a:r>
-                        <a:rPr lang="es-MX" sz="1000" b="1" kern="1200" baseline="0" dirty="0" smtClean="0">
+                        <a:rPr lang="es-ES" sz="900" b="1" kern="1200" baseline="0" dirty="0" smtClean="0">
                           <a:solidFill>
                             <a:schemeClr val="accent1">
                               <a:lumMod val="50000"/>
@@ -4642,9 +4649,9 @@
                           <a:ea typeface="+mn-ea"/>
                           <a:cs typeface="+mn-cs"/>
                         </a:rPr>
-                        <a:t>H104</a:t>
-                      </a:r>
-                      <a:endParaRPr lang="es-MX" sz="1000" b="1" kern="1200" baseline="0" dirty="0">
+                        <a:t>4</a:t>
+                      </a:r>
+                      <a:endParaRPr lang="es-MX" sz="900" b="1" kern="1200" baseline="0" dirty="0">
                         <a:solidFill>
                           <a:schemeClr val="accent1">
                             <a:lumMod val="50000"/>
@@ -4672,7 +4679,7 @@
                     <a:p>
                       <a:pPr marL="0" algn="l" defTabSz="914400" rtl="0" eaLnBrk="1" latinLnBrk="0" hangingPunct="1"/>
                       <a:r>
-                        <a:rPr lang="es-MX" sz="1000" kern="1200" baseline="0" dirty="0" smtClean="0">
+                        <a:rPr lang="es-MX" sz="900" kern="1200" baseline="0" dirty="0" smtClean="0">
                           <a:solidFill>
                             <a:schemeClr val="tx1"/>
                           </a:solidFill>
@@ -4682,7 +4689,7 @@
                         </a:rPr>
                         <a:t>Ubicación de una coordenada en el primer cuadrante del plano artesiano</a:t>
                       </a:r>
-                      <a:endParaRPr lang="es-MX" sz="1000" kern="1200" baseline="0" dirty="0">
+                      <a:endParaRPr lang="es-MX" sz="900" kern="1200" baseline="0" dirty="0">
                         <a:solidFill>
                           <a:schemeClr val="tx1"/>
                         </a:solidFill>
@@ -4708,7 +4715,7 @@
                     <a:p>
                       <a:pPr marL="0" algn="l" defTabSz="914400" rtl="0" eaLnBrk="1" latinLnBrk="0" hangingPunct="1"/>
                       <a:r>
-                        <a:rPr lang="es-MX" sz="1000" b="1" u="none" kern="1200" baseline="0" dirty="0" smtClean="0">
+                        <a:rPr lang="es-MX" sz="900" b="1" u="none" kern="1200" baseline="0" dirty="0" smtClean="0">
                           <a:solidFill>
                             <a:schemeClr val="bg2">
                               <a:lumMod val="75000"/>
@@ -4719,9 +4726,9 @@
                           <a:ea typeface="+mn-ea"/>
                           <a:cs typeface="+mn-cs"/>
                         </a:rPr>
-                        <a:t>H108</a:t>
-                      </a:r>
-                      <a:endParaRPr lang="es-MX" sz="1000" b="1" u="none" kern="1200" baseline="0" dirty="0">
+                        <a:t>8</a:t>
+                      </a:r>
+                      <a:endParaRPr lang="es-MX" sz="900" b="1" u="none" kern="1200" baseline="0" dirty="0">
                         <a:solidFill>
                           <a:schemeClr val="bg2">
                             <a:lumMod val="75000"/>
@@ -4743,7 +4750,7 @@
                     <a:p>
                       <a:pPr marL="0" algn="l" defTabSz="914400" rtl="0" eaLnBrk="1" latinLnBrk="0" hangingPunct="1"/>
                       <a:r>
-                        <a:rPr lang="es-MX" sz="1000" b="1" u="none" kern="1200" baseline="0" dirty="0" smtClean="0">
+                        <a:rPr lang="es-MX" sz="900" b="1" u="none" kern="1200" baseline="0" dirty="0" smtClean="0">
                           <a:solidFill>
                             <a:schemeClr val="bg2">
                               <a:lumMod val="75000"/>
@@ -4756,7 +4763,7 @@
                         </a:rPr>
                         <a:t>Identificación de las características geométricas de los cuadriláteros</a:t>
                       </a:r>
-                      <a:endParaRPr lang="es-MX" sz="1000" b="1" u="none" kern="1200" baseline="0" dirty="0">
+                      <a:endParaRPr lang="es-MX" sz="900" b="1" u="none" kern="1200" baseline="0" dirty="0">
                         <a:solidFill>
                           <a:schemeClr val="bg2">
                             <a:lumMod val="75000"/>
@@ -4778,7 +4785,7 @@
                     <a:p>
                       <a:pPr marL="0" algn="l" defTabSz="914400" rtl="0" eaLnBrk="1" latinLnBrk="0" hangingPunct="1"/>
                       <a:r>
-                        <a:rPr lang="es-MX" sz="1000" b="1" kern="1200" baseline="0" dirty="0" smtClean="0">
+                        <a:rPr lang="es-ES" sz="900" b="1" kern="1200" baseline="0" dirty="0" smtClean="0">
                           <a:solidFill>
                             <a:schemeClr val="accent1">
                               <a:lumMod val="50000"/>
@@ -4788,9 +4795,9 @@
                           <a:ea typeface="+mn-ea"/>
                           <a:cs typeface="+mn-cs"/>
                         </a:rPr>
-                        <a:t>H112</a:t>
-                      </a:r>
-                      <a:endParaRPr lang="es-MX" sz="1000" b="1" kern="1200" baseline="0" dirty="0">
+                        <a:t>12</a:t>
+                      </a:r>
+                      <a:endParaRPr lang="es-MX" sz="900" b="1" kern="1200" baseline="0" dirty="0">
                         <a:solidFill>
                           <a:schemeClr val="accent1">
                             <a:lumMod val="50000"/>
@@ -4818,7 +4825,7 @@
                     <a:p>
                       <a:pPr marL="0" algn="l" defTabSz="914400" rtl="0" eaLnBrk="1" latinLnBrk="0" hangingPunct="1"/>
                       <a:r>
-                        <a:rPr lang="es-MX" sz="1000" kern="1200" baseline="0" dirty="0" smtClean="0">
+                        <a:rPr lang="es-MX" sz="900" kern="1200" baseline="0" dirty="0" smtClean="0">
                           <a:solidFill>
                             <a:schemeClr val="tx1"/>
                           </a:solidFill>
@@ -4828,7 +4835,7 @@
                         </a:rPr>
                         <a:t>Deducción de fórmulas para calcular el área mediante descomposición de figuras geométricas</a:t>
                       </a:r>
-                      <a:endParaRPr lang="es-MX" sz="1000" kern="1200" baseline="0" dirty="0">
+                      <a:endParaRPr lang="es-MX" sz="900" kern="1200" baseline="0" dirty="0">
                         <a:solidFill>
                           <a:schemeClr val="tx1"/>
                         </a:solidFill>
@@ -4868,7 +4875,7 @@
         </p:blipFill>
         <p:spPr>
           <a:xfrm>
-            <a:off x="2418077" y="0"/>
+            <a:off x="2330991" y="48986"/>
             <a:ext cx="7355846" cy="4800600"/>
           </a:xfrm>
           <a:prstGeom prst="rect">
@@ -4970,14 +4977,14 @@
           <p:nvPr>
             <p:extLst>
               <p:ext uri="{D42A27DB-BD31-4B8C-83A1-F6EECF244321}">
-                <p14:modId xmlns:p14="http://schemas.microsoft.com/office/powerpoint/2010/main" val="3647614182"/>
+                <p14:modId xmlns:p14="http://schemas.microsoft.com/office/powerpoint/2010/main" val="4174594647"/>
               </p:ext>
             </p:extLst>
           </p:nvPr>
         </p:nvGraphicFramePr>
         <p:xfrm>
-          <a:off x="266698" y="4896554"/>
-          <a:ext cx="11658604" cy="1536084"/>
+          <a:off x="1621970" y="4896554"/>
+          <a:ext cx="9160331" cy="1482296"/>
         </p:xfrm>
         <a:graphic>
           <a:graphicData uri="http://schemas.openxmlformats.org/drawingml/2006/table">
@@ -4986,12 +4993,12 @@
                 <a:tableStyleId>{2D5ABB26-0587-4C30-8999-92F81FD0307C}</a:tableStyleId>
               </a:tblPr>
               <a:tblGrid>
-                <a:gridCol w="477373"/>
-                <a:gridCol w="3086101"/>
-                <a:gridCol w="493058"/>
-                <a:gridCol w="3155577"/>
-                <a:gridCol w="466165"/>
-                <a:gridCol w="3980330"/>
+                <a:gridCol w="375079"/>
+                <a:gridCol w="2424793"/>
+                <a:gridCol w="387403"/>
+                <a:gridCol w="2479382"/>
+                <a:gridCol w="366272"/>
+                <a:gridCol w="3127402"/>
               </a:tblGrid>
               <a:tr h="385016">
                 <a:tc>
@@ -5000,16 +5007,16 @@
                     <a:lstStyle/>
                     <a:p>
                       <a:r>
-                        <a:rPr lang="es-MX" sz="1000" b="1" dirty="0" smtClean="0">
+                        <a:rPr lang="es-ES" sz="900" b="1" dirty="0" smtClean="0">
                           <a:solidFill>
                             <a:schemeClr val="accent2">
                               <a:lumMod val="50000"/>
                             </a:schemeClr>
                           </a:solidFill>
                         </a:rPr>
-                        <a:t>H201 </a:t>
-                      </a:r>
-                      <a:endParaRPr lang="es-MX" sz="1000" b="1" dirty="0">
+                        <a:t>1</a:t>
+                      </a:r>
+                      <a:endParaRPr lang="es-MX" sz="900" b="1" dirty="0">
                         <a:solidFill>
                           <a:schemeClr val="accent2">
                             <a:lumMod val="50000"/>
@@ -5034,10 +5041,10 @@
                     <a:p>
                       <a:pPr algn="l"/>
                       <a:r>
-                        <a:rPr lang="es-MX" sz="1000" baseline="0" dirty="0" smtClean="0"/>
+                        <a:rPr lang="es-MX" sz="900" baseline="0" dirty="0" smtClean="0"/>
                         <a:t>Comprensión de problemas matemáticos contextualizados</a:t>
                       </a:r>
-                      <a:endParaRPr lang="es-MX" sz="1000" b="1" dirty="0"/>
+                      <a:endParaRPr lang="es-MX" sz="900" b="1" dirty="0"/>
                     </a:p>
                   </a:txBody>
                   <a:tcPr anchor="ctr">
@@ -5055,16 +5062,16 @@
                     <a:lstStyle/>
                     <a:p>
                       <a:r>
-                        <a:rPr lang="es-MX" sz="1000" b="1" dirty="0" smtClean="0">
+                        <a:rPr lang="es-ES" sz="900" b="1" dirty="0" smtClean="0">
                           <a:solidFill>
                             <a:schemeClr val="accent2">
                               <a:lumMod val="50000"/>
                             </a:schemeClr>
                           </a:solidFill>
                         </a:rPr>
-                        <a:t>H205</a:t>
-                      </a:r>
-                      <a:endParaRPr lang="es-MX" sz="1000" b="1" dirty="0">
+                        <a:t>5</a:t>
+                      </a:r>
+                      <a:endParaRPr lang="es-MX" sz="900" b="1" dirty="0">
                         <a:solidFill>
                           <a:schemeClr val="accent2">
                             <a:lumMod val="50000"/>
@@ -5088,10 +5095,10 @@
                     <a:lstStyle/>
                     <a:p>
                       <a:r>
-                        <a:rPr lang="es-MX" sz="1000" baseline="0" dirty="0" smtClean="0"/>
+                        <a:rPr lang="es-MX" sz="900" baseline="0" dirty="0" smtClean="0"/>
                         <a:t>Aplicación de operaciones aritméticas básicas</a:t>
                       </a:r>
-                      <a:endParaRPr lang="es-MX" sz="1000" b="1" dirty="0"/>
+                      <a:endParaRPr lang="es-MX" sz="900" b="1" dirty="0"/>
                     </a:p>
                   </a:txBody>
                   <a:tcPr anchor="ctr">
@@ -5109,16 +5116,16 @@
                     <a:lstStyle/>
                     <a:p>
                       <a:r>
-                        <a:rPr lang="es-MX" sz="1000" b="1" dirty="0" smtClean="0">
+                        <a:rPr lang="es-MX" sz="900" b="1" dirty="0" smtClean="0">
                           <a:solidFill>
                             <a:schemeClr val="accent2">
                               <a:lumMod val="50000"/>
                             </a:schemeClr>
                           </a:solidFill>
                         </a:rPr>
-                        <a:t>H209</a:t>
-                      </a:r>
-                      <a:endParaRPr lang="es-MX" sz="1000" b="1" dirty="0">
+                        <a:t>9</a:t>
+                      </a:r>
+                      <a:endParaRPr lang="es-MX" sz="900" b="1" dirty="0">
                         <a:solidFill>
                           <a:schemeClr val="accent2">
                             <a:lumMod val="50000"/>
@@ -5143,10 +5150,10 @@
                     <a:p>
                       <a:pPr marL="0" algn="l" defTabSz="914400" rtl="0" eaLnBrk="1" latinLnBrk="0" hangingPunct="1"/>
                       <a:r>
-                        <a:rPr lang="es-MX" sz="1000" dirty="0" smtClean="0"/>
+                        <a:rPr lang="es-MX" sz="900" dirty="0" smtClean="0"/>
                         <a:t>Comparación de razones con cantidades discretas </a:t>
                       </a:r>
-                      <a:endParaRPr lang="es-MX" sz="1000" kern="1200" baseline="0" dirty="0">
+                      <a:endParaRPr lang="es-MX" sz="900" kern="1200" baseline="0" dirty="0">
                         <a:solidFill>
                           <a:schemeClr val="tx1"/>
                         </a:solidFill>
@@ -5174,7 +5181,7 @@
                     <a:p>
                       <a:pPr marL="0" algn="l" defTabSz="914400" rtl="0" eaLnBrk="1" latinLnBrk="0" hangingPunct="1"/>
                       <a:r>
-                        <a:rPr lang="es-MX" sz="1000" b="1" kern="1200" dirty="0" smtClean="0">
+                        <a:rPr lang="es-ES" sz="900" b="1" kern="1200" dirty="0" smtClean="0">
                           <a:solidFill>
                             <a:schemeClr val="accent2">
                               <a:lumMod val="50000"/>
@@ -5184,9 +5191,9 @@
                           <a:ea typeface="+mn-ea"/>
                           <a:cs typeface="+mn-cs"/>
                         </a:rPr>
-                        <a:t>H202</a:t>
-                      </a:r>
-                      <a:endParaRPr lang="es-MX" sz="1000" b="1" kern="1200" dirty="0">
+                        <a:t>2</a:t>
+                      </a:r>
+                      <a:endParaRPr lang="es-MX" sz="900" b="1" kern="1200" dirty="0">
                         <a:solidFill>
                           <a:schemeClr val="accent2">
                             <a:lumMod val="50000"/>
@@ -5214,7 +5221,7 @@
                     <a:p>
                       <a:pPr marL="0" algn="l" defTabSz="914400" rtl="0" eaLnBrk="1" latinLnBrk="0" hangingPunct="1"/>
                       <a:r>
-                        <a:rPr lang="es-MX" sz="1000" b="0" u="none" kern="1200" baseline="0" dirty="0" smtClean="0">
+                        <a:rPr lang="es-MX" sz="900" b="0" u="none" kern="1200" baseline="0" dirty="0" smtClean="0">
                           <a:solidFill>
                             <a:schemeClr val="tx1"/>
                           </a:solidFill>
@@ -5224,7 +5231,7 @@
                         </a:rPr>
                         <a:t>Comparación de la proporcionalidad de razones </a:t>
                       </a:r>
-                      <a:endParaRPr lang="es-MX" sz="1000" b="0" u="none" kern="1200" baseline="0" dirty="0">
+                      <a:endParaRPr lang="es-MX" sz="900" b="0" u="none" kern="1200" baseline="0" dirty="0">
                         <a:solidFill>
                           <a:schemeClr val="tx1"/>
                         </a:solidFill>
@@ -5249,7 +5256,7 @@
                     <a:lstStyle/>
                     <a:p>
                       <a:r>
-                        <a:rPr lang="es-MX" sz="1000" b="1" kern="1200" baseline="0" dirty="0" smtClean="0">
+                        <a:rPr lang="es-ES" sz="900" b="1" kern="1200" baseline="0" dirty="0" smtClean="0">
                           <a:solidFill>
                             <a:schemeClr val="accent2">
                               <a:lumMod val="50000"/>
@@ -5259,9 +5266,9 @@
                           <a:ea typeface="+mn-ea"/>
                           <a:cs typeface="+mn-cs"/>
                         </a:rPr>
-                        <a:t>H206</a:t>
-                      </a:r>
-                      <a:endParaRPr lang="es-MX" sz="1000" b="1" kern="1200" baseline="0" dirty="0">
+                        <a:t>6</a:t>
+                      </a:r>
+                      <a:endParaRPr lang="es-MX" sz="900" b="1" kern="1200" baseline="0" dirty="0">
                         <a:solidFill>
                           <a:schemeClr val="accent2">
                             <a:lumMod val="50000"/>
@@ -5288,14 +5295,14 @@
                     <a:lstStyle/>
                     <a:p>
                       <a:r>
-                        <a:rPr lang="es-MX" sz="1000" dirty="0" smtClean="0"/>
+                        <a:rPr lang="es-MX" sz="900" dirty="0" smtClean="0"/>
                         <a:t>Representación</a:t>
                       </a:r>
                       <a:r>
-                        <a:rPr lang="es-MX" sz="1000" baseline="0" dirty="0" smtClean="0"/>
+                        <a:rPr lang="es-MX" sz="900" baseline="0" dirty="0" smtClean="0"/>
                         <a:t> de datos numéricos en gráficas de barras</a:t>
                       </a:r>
-                      <a:endParaRPr lang="es-MX" sz="1000" b="0" u="none" dirty="0">
+                      <a:endParaRPr lang="es-MX" sz="900" b="0" u="none" dirty="0">
                         <a:solidFill>
                           <a:schemeClr val="tx1"/>
                         </a:solidFill>
@@ -5317,16 +5324,16 @@
                     <a:lstStyle/>
                     <a:p>
                       <a:r>
-                        <a:rPr lang="es-MX" sz="1000" b="1" dirty="0" smtClean="0">
+                        <a:rPr lang="es-MX" sz="900" b="1" dirty="0" smtClean="0">
                           <a:solidFill>
                             <a:schemeClr val="accent2">
                               <a:lumMod val="50000"/>
                             </a:schemeClr>
                           </a:solidFill>
                         </a:rPr>
-                        <a:t>H210</a:t>
-                      </a:r>
-                      <a:endParaRPr lang="es-MX" sz="1000" b="1" dirty="0">
+                        <a:t>10</a:t>
+                      </a:r>
+                      <a:endParaRPr lang="es-MX" sz="900" b="1" dirty="0">
                         <a:solidFill>
                           <a:schemeClr val="accent2">
                             <a:lumMod val="50000"/>
@@ -5350,10 +5357,10 @@
                     <a:lstStyle/>
                     <a:p>
                       <a:r>
-                        <a:rPr lang="es-MX" sz="1000" baseline="0" dirty="0" smtClean="0"/>
+                        <a:rPr lang="es-MX" sz="900" baseline="0" dirty="0" smtClean="0"/>
                         <a:t>Representación de un número fraccionario </a:t>
                       </a:r>
-                      <a:endParaRPr lang="es-MX" sz="1000" b="1" dirty="0"/>
+                      <a:endParaRPr lang="es-MX" sz="900" b="1" dirty="0"/>
                     </a:p>
                   </a:txBody>
                   <a:tcPr anchor="ctr">
@@ -5373,7 +5380,7 @@
                     <a:lstStyle/>
                     <a:p>
                       <a:r>
-                        <a:rPr lang="es-MX" sz="1000" b="1" kern="1200" dirty="0" smtClean="0">
+                        <a:rPr lang="es-ES" sz="900" b="1" kern="1200" dirty="0" smtClean="0">
                           <a:solidFill>
                             <a:schemeClr val="accent2">
                               <a:lumMod val="50000"/>
@@ -5383,9 +5390,9 @@
                           <a:ea typeface="+mn-ea"/>
                           <a:cs typeface="+mn-cs"/>
                         </a:rPr>
-                        <a:t>H203 </a:t>
-                      </a:r>
-                      <a:endParaRPr lang="es-MX" sz="1000" b="1" kern="1200" dirty="0">
+                        <a:t>3</a:t>
+                      </a:r>
+                      <a:endParaRPr lang="es-MX" sz="900" b="1" kern="1200" dirty="0">
                         <a:solidFill>
                           <a:schemeClr val="accent2">
                             <a:lumMod val="50000"/>
@@ -5413,7 +5420,7 @@
                     <a:p>
                       <a:pPr marL="0" algn="l" defTabSz="914400" rtl="0" eaLnBrk="1" latinLnBrk="0" hangingPunct="1"/>
                       <a:r>
-                        <a:rPr lang="es-MX" sz="1000" b="0" u="none" kern="1200" baseline="0" dirty="0" smtClean="0">
+                        <a:rPr lang="es-MX" sz="900" b="0" u="none" kern="1200" baseline="0" dirty="0" smtClean="0">
                           <a:solidFill>
                             <a:schemeClr val="tx1"/>
                           </a:solidFill>
@@ -5423,7 +5430,7 @@
                         </a:rPr>
                         <a:t>Representación de modelos aritméticos de la media (promedio) </a:t>
                       </a:r>
-                      <a:endParaRPr lang="es-MX" sz="1000" b="0" u="none" kern="1200" baseline="0" dirty="0">
+                      <a:endParaRPr lang="es-MX" sz="900" b="0" u="none" kern="1200" baseline="0" dirty="0">
                         <a:solidFill>
                           <a:schemeClr val="tx1"/>
                         </a:solidFill>
@@ -5448,16 +5455,16 @@
                     <a:lstStyle/>
                     <a:p>
                       <a:r>
-                        <a:rPr lang="es-MX" sz="1000" b="1" dirty="0" smtClean="0">
+                        <a:rPr lang="es-ES" sz="900" b="1" dirty="0" smtClean="0">
                           <a:solidFill>
                             <a:schemeClr val="accent2">
                               <a:lumMod val="50000"/>
                             </a:schemeClr>
                           </a:solidFill>
                         </a:rPr>
-                        <a:t>H207</a:t>
-                      </a:r>
-                      <a:endParaRPr lang="es-MX" sz="1000" b="1" dirty="0">
+                        <a:t>7</a:t>
+                      </a:r>
+                      <a:endParaRPr lang="es-MX" sz="900" b="1" dirty="0">
                         <a:solidFill>
                           <a:schemeClr val="accent2">
                             <a:lumMod val="50000"/>
@@ -5481,10 +5488,10 @@
                     <a:lstStyle/>
                     <a:p>
                       <a:r>
-                        <a:rPr lang="es-MX" sz="1000" baseline="0" dirty="0" smtClean="0"/>
+                        <a:rPr lang="es-MX" sz="900" baseline="0" dirty="0" smtClean="0"/>
                         <a:t>Representación del modelo de regla de tres simple</a:t>
                       </a:r>
-                      <a:endParaRPr lang="es-MX" sz="1000" b="0" u="none" dirty="0">
+                      <a:endParaRPr lang="es-MX" sz="900" b="0" u="none" dirty="0">
                         <a:solidFill>
                           <a:schemeClr val="tx1"/>
                         </a:solidFill>
@@ -5505,7 +5512,7 @@
                     <a:bodyPr/>
                     <a:lstStyle/>
                     <a:p>
-                      <a:endParaRPr lang="es-MX" sz="1000" b="1" dirty="0">
+                      <a:endParaRPr lang="es-MX" sz="900" b="1" dirty="0">
                         <a:solidFill>
                           <a:schemeClr val="accent1">
                             <a:lumMod val="50000"/>
@@ -5521,7 +5528,7 @@
                     <a:bodyPr/>
                     <a:lstStyle/>
                     <a:p>
-                      <a:endParaRPr lang="es-MX" sz="1000" b="1" u="sng" dirty="0">
+                      <a:endParaRPr lang="es-MX" sz="900" b="1" u="sng" dirty="0">
                         <a:solidFill>
                           <a:srgbClr val="FF0000"/>
                         </a:solidFill>
@@ -5539,7 +5546,7 @@
                     <a:p>
                       <a:pPr marL="0" algn="l" defTabSz="914400" rtl="0" eaLnBrk="1" latinLnBrk="0" hangingPunct="1"/>
                       <a:r>
-                        <a:rPr lang="es-MX" sz="1000" b="1" kern="1200" dirty="0" smtClean="0">
+                        <a:rPr lang="es-ES" sz="900" b="1" kern="1200" dirty="0" smtClean="0">
                           <a:solidFill>
                             <a:schemeClr val="accent2">
                               <a:lumMod val="50000"/>
@@ -5549,9 +5556,9 @@
                           <a:ea typeface="+mn-ea"/>
                           <a:cs typeface="+mn-cs"/>
                         </a:rPr>
-                        <a:t>H204</a:t>
-                      </a:r>
-                      <a:endParaRPr lang="es-MX" sz="1000" b="1" kern="1200" dirty="0">
+                        <a:t>4</a:t>
+                      </a:r>
+                      <a:endParaRPr lang="es-MX" sz="900" b="1" kern="1200" dirty="0">
                         <a:solidFill>
                           <a:schemeClr val="accent2">
                             <a:lumMod val="50000"/>
@@ -5579,7 +5586,7 @@
                     <a:p>
                       <a:pPr marL="0" algn="l" defTabSz="914400" rtl="0" eaLnBrk="1" latinLnBrk="0" hangingPunct="1"/>
                       <a:r>
-                        <a:rPr lang="es-MX" sz="1000" b="0" u="none" kern="1200" baseline="0" dirty="0" smtClean="0">
+                        <a:rPr lang="es-MX" sz="900" b="0" u="none" kern="1200" baseline="0" dirty="0" smtClean="0">
                           <a:solidFill>
                             <a:schemeClr val="tx1"/>
                           </a:solidFill>
@@ -5589,7 +5596,7 @@
                         </a:rPr>
                         <a:t>Representación de modelos aritméticos de la mediana </a:t>
                       </a:r>
-                      <a:endParaRPr lang="es-MX" sz="1000" b="0" u="none" kern="1200" baseline="0" dirty="0">
+                      <a:endParaRPr lang="es-MX" sz="900" b="0" u="none" kern="1200" baseline="0" dirty="0">
                         <a:solidFill>
                           <a:schemeClr val="tx1"/>
                         </a:solidFill>
@@ -5614,16 +5621,16 @@
                     <a:lstStyle/>
                     <a:p>
                       <a:r>
-                        <a:rPr lang="es-MX" sz="1000" b="1" dirty="0" smtClean="0">
+                        <a:rPr lang="es-ES" sz="900" b="1" dirty="0" smtClean="0">
                           <a:solidFill>
                             <a:schemeClr val="accent2">
                               <a:lumMod val="50000"/>
                             </a:schemeClr>
                           </a:solidFill>
                         </a:rPr>
-                        <a:t>H208</a:t>
-                      </a:r>
-                      <a:endParaRPr lang="es-MX" sz="1000" b="1" dirty="0">
+                        <a:t>8</a:t>
+                      </a:r>
+                      <a:endParaRPr lang="es-MX" sz="900" b="1" dirty="0">
                         <a:solidFill>
                           <a:schemeClr val="accent2">
                             <a:lumMod val="50000"/>
@@ -5647,14 +5654,14 @@
                     <a:lstStyle/>
                     <a:p>
                       <a:r>
-                        <a:rPr lang="es-MX" sz="1000" dirty="0" smtClean="0"/>
+                        <a:rPr lang="es-MX" sz="900" dirty="0" smtClean="0"/>
                         <a:t>Comprensión</a:t>
                       </a:r>
                       <a:r>
-                        <a:rPr lang="es-MX" sz="1000" baseline="0" dirty="0" smtClean="0"/>
+                        <a:rPr lang="es-MX" sz="900" baseline="0" dirty="0" smtClean="0"/>
                         <a:t> de la relación entre porcentajes y fracciones </a:t>
                       </a:r>
-                      <a:endParaRPr lang="es-MX" sz="1000" b="0" u="none" dirty="0">
+                      <a:endParaRPr lang="es-MX" sz="900" b="0" u="none" dirty="0">
                         <a:solidFill>
                           <a:schemeClr val="tx1"/>
                         </a:solidFill>
@@ -5676,7 +5683,7 @@
                     <a:bodyPr/>
                     <a:lstStyle/>
                     <a:p>
-                      <a:endParaRPr lang="es-MX" sz="1000" b="1" dirty="0">
+                      <a:endParaRPr lang="es-MX" sz="900" b="1" dirty="0">
                         <a:solidFill>
                           <a:srgbClr val="FF0000"/>
                         </a:solidFill>
@@ -5690,7 +5697,7 @@
                     <a:bodyPr/>
                     <a:lstStyle/>
                     <a:p>
-                      <a:endParaRPr lang="es-MX" sz="1000" b="1" u="sng" dirty="0">
+                      <a:endParaRPr lang="es-MX" sz="900" b="1" u="sng" dirty="0">
                         <a:solidFill>
                           <a:srgbClr val="FF0000"/>
                         </a:solidFill>
@@ -5822,14 +5829,14 @@
           <p:nvPr>
             <p:extLst>
               <p:ext uri="{D42A27DB-BD31-4B8C-83A1-F6EECF244321}">
-                <p14:modId xmlns:p14="http://schemas.microsoft.com/office/powerpoint/2010/main" val="2277557996"/>
+                <p14:modId xmlns:p14="http://schemas.microsoft.com/office/powerpoint/2010/main" val="602976903"/>
               </p:ext>
             </p:extLst>
           </p:nvPr>
         </p:nvGraphicFramePr>
         <p:xfrm>
-          <a:off x="174808" y="4876800"/>
-          <a:ext cx="11658604" cy="1981200"/>
+          <a:off x="2487144" y="4746172"/>
+          <a:ext cx="7734542" cy="1985216"/>
         </p:xfrm>
         <a:graphic>
           <a:graphicData uri="http://schemas.openxmlformats.org/drawingml/2006/table">
@@ -5838,12 +5845,12 @@
                 <a:tableStyleId>{2D5ABB26-0587-4C30-8999-92F81FD0307C}</a:tableStyleId>
               </a:tblPr>
               <a:tblGrid>
-                <a:gridCol w="488579"/>
-                <a:gridCol w="3074895"/>
-                <a:gridCol w="493058"/>
-                <a:gridCol w="3155577"/>
-                <a:gridCol w="466165"/>
-                <a:gridCol w="3980330"/>
+                <a:gridCol w="324133"/>
+                <a:gridCol w="2039945"/>
+                <a:gridCol w="327104"/>
+                <a:gridCol w="2093470"/>
+                <a:gridCol w="309263"/>
+                <a:gridCol w="2640627"/>
               </a:tblGrid>
               <a:tr h="385016">
                 <a:tc>
@@ -5852,14 +5859,14 @@
                     <a:lstStyle/>
                     <a:p>
                       <a:r>
-                        <a:rPr lang="es-MX" sz="1000" b="1" i="0" u="none" dirty="0" smtClean="0">
+                        <a:rPr lang="es-ES" sz="900" b="1" i="0" u="none" dirty="0" smtClean="0">
                           <a:solidFill>
                             <a:srgbClr val="00B050"/>
                           </a:solidFill>
                         </a:rPr>
-                        <a:t>H301 </a:t>
-                      </a:r>
-                      <a:endParaRPr lang="es-MX" sz="1000" b="1" i="0" u="none" dirty="0">
+                        <a:t>1</a:t>
+                      </a:r>
+                      <a:endParaRPr lang="es-MX" sz="900" b="1" i="0" u="none" dirty="0">
                         <a:solidFill>
                           <a:srgbClr val="00B050"/>
                         </a:solidFill>
@@ -5882,10 +5889,10 @@
                     <a:p>
                       <a:pPr algn="l"/>
                       <a:r>
-                        <a:rPr lang="es-MX" sz="1000" b="0" i="0" u="none" baseline="0" dirty="0" smtClean="0"/>
+                        <a:rPr lang="es-MX" sz="900" b="0" i="0" u="none" baseline="0" dirty="0" smtClean="0"/>
                         <a:t>Comprensión de problemas matemáticos contextualizados</a:t>
                       </a:r>
-                      <a:endParaRPr lang="es-MX" sz="1000" b="0" i="0" u="none" dirty="0"/>
+                      <a:endParaRPr lang="es-MX" sz="900" b="0" i="0" u="none" dirty="0"/>
                     </a:p>
                   </a:txBody>
                   <a:tcPr anchor="ctr">
@@ -5903,14 +5910,14 @@
                     <a:lstStyle/>
                     <a:p>
                       <a:r>
-                        <a:rPr lang="es-MX" sz="1000" b="1" i="0" u="none" dirty="0" smtClean="0">
+                        <a:rPr lang="es-ES" sz="900" b="1" i="0" u="none" dirty="0" smtClean="0">
                           <a:solidFill>
                             <a:srgbClr val="00B050"/>
                           </a:solidFill>
                         </a:rPr>
-                        <a:t>H306</a:t>
-                      </a:r>
-                      <a:endParaRPr lang="es-MX" sz="1000" b="1" i="0" u="none" dirty="0">
+                        <a:t>6</a:t>
+                      </a:r>
+                      <a:endParaRPr lang="es-MX" sz="900" b="1" i="0" u="none" dirty="0">
                         <a:solidFill>
                           <a:srgbClr val="00B050"/>
                         </a:solidFill>
@@ -5932,14 +5939,14 @@
                     <a:lstStyle/>
                     <a:p>
                       <a:r>
-                        <a:rPr lang="es-MX" sz="1000" dirty="0" smtClean="0"/>
+                        <a:rPr lang="es-MX" sz="900" dirty="0" smtClean="0"/>
                         <a:t>Representación del modelo aritmético de la división</a:t>
                       </a:r>
                       <a:r>
-                        <a:rPr lang="es-MX" sz="1000" baseline="0" dirty="0" smtClean="0"/>
+                        <a:rPr lang="es-MX" sz="900" baseline="0" dirty="0" smtClean="0"/>
                         <a:t> </a:t>
                       </a:r>
-                      <a:endParaRPr lang="es-MX" sz="1000" b="0" i="0" u="none" dirty="0"/>
+                      <a:endParaRPr lang="es-MX" sz="900" b="0" i="0" u="none" dirty="0"/>
                     </a:p>
                   </a:txBody>
                   <a:tcPr anchor="ctr">
@@ -5958,7 +5965,7 @@
                     <a:p>
                       <a:pPr marL="0" algn="l" defTabSz="914400" rtl="0" eaLnBrk="1" latinLnBrk="0" hangingPunct="1"/>
                       <a:r>
-                        <a:rPr lang="es-MX" sz="1000" b="1" i="0" u="none" kern="1200" dirty="0" smtClean="0">
+                        <a:rPr lang="es-ES" sz="900" b="1" i="0" u="none" kern="1200" dirty="0" smtClean="0">
                           <a:solidFill>
                             <a:srgbClr val="00A249"/>
                           </a:solidFill>
@@ -5966,9 +5973,9 @@
                           <a:ea typeface="+mn-ea"/>
                           <a:cs typeface="+mn-cs"/>
                         </a:rPr>
-                        <a:t>H311</a:t>
-                      </a:r>
-                      <a:endParaRPr lang="es-MX" sz="1000" b="1" i="0" u="none" kern="1200" dirty="0">
+                        <a:t>11</a:t>
+                      </a:r>
+                      <a:endParaRPr lang="es-MX" sz="900" b="1" i="0" u="none" kern="1200" dirty="0">
                         <a:solidFill>
                           <a:srgbClr val="00A249"/>
                         </a:solidFill>
@@ -5994,7 +6001,7 @@
                     <a:p>
                       <a:pPr marL="0" algn="l" defTabSz="914400" rtl="0" eaLnBrk="1" latinLnBrk="0" hangingPunct="1"/>
                       <a:r>
-                        <a:rPr lang="es-MX" sz="1000" kern="1200" baseline="0" dirty="0" smtClean="0">
+                        <a:rPr lang="es-MX" sz="900" kern="1200" baseline="0" dirty="0" smtClean="0">
                           <a:solidFill>
                             <a:schemeClr val="tx1"/>
                           </a:solidFill>
@@ -6004,7 +6011,7 @@
                         </a:rPr>
                         <a:t>Representación del modelo multiplicativo de números fraccionarios por naturales </a:t>
                       </a:r>
-                      <a:endParaRPr lang="es-MX" sz="1000" kern="1200" baseline="0" dirty="0">
+                      <a:endParaRPr lang="es-MX" sz="900" kern="1200" baseline="0" dirty="0">
                         <a:solidFill>
                           <a:schemeClr val="tx1"/>
                         </a:solidFill>
@@ -6031,14 +6038,14 @@
                     <a:lstStyle/>
                     <a:p>
                       <a:r>
-                        <a:rPr lang="es-MX" sz="1000" b="1" i="0" u="none" dirty="0" smtClean="0">
+                        <a:rPr lang="es-ES" sz="900" b="1" i="0" u="none" dirty="0" smtClean="0">
                           <a:solidFill>
                             <a:srgbClr val="00B050"/>
                           </a:solidFill>
                         </a:rPr>
-                        <a:t>H302</a:t>
-                      </a:r>
-                      <a:endParaRPr lang="es-MX" sz="1000" b="1" i="0" u="none" dirty="0">
+                        <a:t>2</a:t>
+                      </a:r>
+                      <a:endParaRPr lang="es-MX" sz="900" b="1" i="0" u="none" dirty="0">
                         <a:solidFill>
                           <a:srgbClr val="00B050"/>
                         </a:solidFill>
@@ -6061,35 +6068,35 @@
                     <a:p>
                       <a:pPr algn="l"/>
                       <a:r>
-                        <a:rPr lang="es-MX" sz="1000" baseline="0" dirty="0" smtClean="0"/>
+                        <a:rPr lang="es-MX" sz="900" baseline="0" dirty="0" smtClean="0"/>
                         <a:t>Comprensión del Sistema Internacional de Unidades</a:t>
                       </a:r>
-                      <a:endParaRPr lang="es-MX" sz="1000" b="0" i="0" u="none" dirty="0"/>
-                    </a:p>
-                  </a:txBody>
-                  <a:tcPr anchor="ctr">
-                    <a:solidFill>
-                      <a:schemeClr val="accent4">
-                        <a:lumMod val="40000"/>
-                        <a:lumOff val="60000"/>
-                      </a:schemeClr>
-                    </a:solidFill>
-                  </a:tcPr>
-                </a:tc>
-                <a:tc>
-                  <a:txBody>
-                    <a:bodyPr/>
-                    <a:lstStyle/>
-                    <a:p>
-                      <a:r>
-                        <a:rPr lang="es-MX" sz="1000" b="1" i="0" u="none" dirty="0" smtClean="0">
+                      <a:endParaRPr lang="es-MX" sz="900" b="0" i="0" u="none" dirty="0"/>
+                    </a:p>
+                  </a:txBody>
+                  <a:tcPr anchor="ctr">
+                    <a:solidFill>
+                      <a:schemeClr val="accent4">
+                        <a:lumMod val="40000"/>
+                        <a:lumOff val="60000"/>
+                      </a:schemeClr>
+                    </a:solidFill>
+                  </a:tcPr>
+                </a:tc>
+                <a:tc>
+                  <a:txBody>
+                    <a:bodyPr/>
+                    <a:lstStyle/>
+                    <a:p>
+                      <a:r>
+                        <a:rPr lang="es-ES" sz="900" b="1" i="0" u="none" dirty="0" smtClean="0">
                           <a:solidFill>
                             <a:srgbClr val="00B050"/>
                           </a:solidFill>
                         </a:rPr>
-                        <a:t>H307</a:t>
-                      </a:r>
-                      <a:endParaRPr lang="es-MX" sz="1000" b="1" i="0" u="none" dirty="0">
+                        <a:t>7</a:t>
+                      </a:r>
+                      <a:endParaRPr lang="es-MX" sz="900" b="1" i="0" u="none" dirty="0">
                         <a:solidFill>
                           <a:srgbClr val="00B050"/>
                         </a:solidFill>
@@ -6111,10 +6118,10 @@
                     <a:lstStyle/>
                     <a:p>
                       <a:r>
-                        <a:rPr lang="es-MX" sz="1000" baseline="0" dirty="0" smtClean="0"/>
+                        <a:rPr lang="es-MX" sz="900" baseline="0" dirty="0" smtClean="0"/>
                         <a:t>Representación de números fraccionarios</a:t>
                       </a:r>
-                      <a:endParaRPr lang="es-MX" sz="1000" b="0" i="0" u="none" dirty="0">
+                      <a:endParaRPr lang="es-MX" sz="900" b="0" i="0" u="none" dirty="0">
                         <a:solidFill>
                           <a:schemeClr val="tx1"/>
                         </a:solidFill>
@@ -6136,14 +6143,14 @@
                     <a:lstStyle/>
                     <a:p>
                       <a:r>
-                        <a:rPr lang="es-MX" sz="1000" b="1" i="0" u="none" dirty="0" smtClean="0">
+                        <a:rPr lang="es-ES" sz="900" b="1" i="0" u="none" dirty="0" smtClean="0">
                           <a:solidFill>
                             <a:srgbClr val="00A249"/>
                           </a:solidFill>
                         </a:rPr>
-                        <a:t>H312</a:t>
-                      </a:r>
-                      <a:endParaRPr lang="es-MX" sz="1000" b="1" i="0" u="none" dirty="0">
+                        <a:t>12</a:t>
+                      </a:r>
+                      <a:endParaRPr lang="es-MX" sz="900" b="1" i="0" u="none" dirty="0">
                         <a:solidFill>
                           <a:srgbClr val="00A249"/>
                         </a:solidFill>
@@ -6165,10 +6172,10 @@
                     <a:lstStyle/>
                     <a:p>
                       <a:r>
-                        <a:rPr lang="es-MX" sz="1000" baseline="0" dirty="0" smtClean="0"/>
+                        <a:rPr lang="es-MX" sz="900" baseline="0" dirty="0" smtClean="0"/>
                         <a:t>Conversión de una regla verbal de progresión geométrica ascendente a sucesión numérica </a:t>
                       </a:r>
-                      <a:endParaRPr lang="es-MX" sz="1000" b="0" i="0" u="none" dirty="0"/>
+                      <a:endParaRPr lang="es-MX" sz="900" b="0" i="0" u="none" dirty="0"/>
                     </a:p>
                   </a:txBody>
                   <a:tcPr anchor="ctr">
@@ -6188,14 +6195,14 @@
                     <a:lstStyle/>
                     <a:p>
                       <a:r>
-                        <a:rPr lang="es-MX" sz="1000" b="1" i="0" u="none" dirty="0" smtClean="0">
+                        <a:rPr lang="es-ES" sz="900" b="1" i="0" u="none" dirty="0" smtClean="0">
                           <a:solidFill>
                             <a:srgbClr val="00B050"/>
                           </a:solidFill>
                         </a:rPr>
-                        <a:t>H303 </a:t>
-                      </a:r>
-                      <a:endParaRPr lang="es-MX" sz="1000" b="1" i="0" u="none" dirty="0">
+                        <a:t>3</a:t>
+                      </a:r>
+                      <a:endParaRPr lang="es-MX" sz="900" b="1" i="0" u="none" dirty="0">
                         <a:solidFill>
                           <a:srgbClr val="00B050"/>
                         </a:solidFill>
@@ -6218,10 +6225,10 @@
                     <a:p>
                       <a:pPr algn="l"/>
                       <a:r>
-                        <a:rPr lang="es-MX" sz="1000" baseline="0" dirty="0" smtClean="0"/>
+                        <a:rPr lang="es-MX" sz="900" baseline="0" dirty="0" smtClean="0"/>
                         <a:t>Aplicación de operaciones aritméticas básicas </a:t>
                       </a:r>
-                      <a:endParaRPr lang="es-MX" sz="1000" b="0" i="0" u="none" dirty="0">
+                      <a:endParaRPr lang="es-MX" sz="900" b="0" i="0" u="none" dirty="0">
                         <a:solidFill>
                           <a:srgbClr val="FF0000"/>
                         </a:solidFill>
@@ -6243,14 +6250,14 @@
                     <a:lstStyle/>
                     <a:p>
                       <a:r>
-                        <a:rPr lang="es-MX" sz="1000" b="1" i="0" u="none" dirty="0" smtClean="0">
+                        <a:rPr lang="es-ES" sz="900" b="1" i="0" u="none" dirty="0" smtClean="0">
                           <a:solidFill>
                             <a:srgbClr val="00B050"/>
                           </a:solidFill>
                         </a:rPr>
-                        <a:t>H308</a:t>
-                      </a:r>
-                      <a:endParaRPr lang="es-MX" sz="1000" b="1" i="0" u="none" dirty="0">
+                        <a:t>8</a:t>
+                      </a:r>
+                      <a:endParaRPr lang="es-MX" sz="900" b="1" i="0" u="none" dirty="0">
                         <a:solidFill>
                           <a:srgbClr val="00B050"/>
                         </a:solidFill>
@@ -6272,14 +6279,14 @@
                     <a:lstStyle/>
                     <a:p>
                       <a:r>
-                        <a:rPr lang="es-MX" sz="1000" dirty="0" smtClean="0"/>
+                        <a:rPr lang="es-MX" sz="900" dirty="0" smtClean="0"/>
                         <a:t>Inferencia del patrón que</a:t>
                       </a:r>
                       <a:r>
-                        <a:rPr lang="es-MX" sz="1000" baseline="0" dirty="0" smtClean="0"/>
+                        <a:rPr lang="es-MX" sz="900" baseline="0" dirty="0" smtClean="0"/>
                         <a:t> rige una secuencia de números naturales </a:t>
                       </a:r>
-                      <a:endParaRPr lang="es-MX" sz="1000" b="0" i="0" u="none" dirty="0">
+                      <a:endParaRPr lang="es-MX" sz="900" b="0" i="0" u="none" dirty="0">
                         <a:solidFill>
                           <a:schemeClr val="tx1"/>
                         </a:solidFill>
@@ -6301,14 +6308,14 @@
                     <a:lstStyle/>
                     <a:p>
                       <a:r>
-                        <a:rPr lang="es-MX" sz="1000" b="1" i="0" u="none" dirty="0" smtClean="0">
+                        <a:rPr lang="es-ES" sz="900" b="1" i="0" u="none" dirty="0" smtClean="0">
                           <a:solidFill>
                             <a:srgbClr val="00A249"/>
                           </a:solidFill>
                         </a:rPr>
-                        <a:t>H313</a:t>
-                      </a:r>
-                      <a:endParaRPr lang="es-MX" sz="1000" b="1" i="0" u="none" dirty="0">
+                        <a:t>13</a:t>
+                      </a:r>
+                      <a:endParaRPr lang="es-MX" sz="900" b="1" i="0" u="none" dirty="0">
                         <a:solidFill>
                           <a:srgbClr val="00A249"/>
                         </a:solidFill>
@@ -6330,10 +6337,10 @@
                     <a:lstStyle/>
                     <a:p>
                       <a:r>
-                        <a:rPr lang="es-MX" sz="1000" baseline="0" dirty="0" smtClean="0"/>
+                        <a:rPr lang="es-MX" sz="900" baseline="0" dirty="0" smtClean="0"/>
                         <a:t>Deducción del patrón de una sucesión con progresión especial </a:t>
                       </a:r>
-                      <a:endParaRPr lang="es-MX" sz="1000" b="0" i="0" u="none" dirty="0">
+                      <a:endParaRPr lang="es-MX" sz="900" b="0" i="0" u="none" dirty="0">
                         <a:solidFill>
                           <a:srgbClr val="FF0000"/>
                         </a:solidFill>
@@ -6357,14 +6364,14 @@
                     <a:lstStyle/>
                     <a:p>
                       <a:r>
-                        <a:rPr lang="es-MX" sz="1000" b="1" i="0" u="none" dirty="0" smtClean="0">
+                        <a:rPr lang="es-ES" sz="900" b="1" i="0" u="none" dirty="0" smtClean="0">
                           <a:solidFill>
                             <a:srgbClr val="00B050"/>
                           </a:solidFill>
                         </a:rPr>
-                        <a:t>H304</a:t>
-                      </a:r>
-                      <a:endParaRPr lang="es-MX" sz="1000" b="1" i="0" u="none" dirty="0">
+                        <a:t>4</a:t>
+                      </a:r>
+                      <a:endParaRPr lang="es-MX" sz="900" b="1" i="0" u="none" dirty="0">
                         <a:solidFill>
                           <a:srgbClr val="00B050"/>
                         </a:solidFill>
@@ -6387,14 +6394,14 @@
                     <a:p>
                       <a:pPr algn="l"/>
                       <a:r>
-                        <a:rPr lang="es-MX" sz="1000" dirty="0" smtClean="0"/>
+                        <a:rPr lang="es-MX" sz="900" dirty="0" smtClean="0"/>
                         <a:t>Representación de modelos aritméticos</a:t>
                       </a:r>
                       <a:r>
-                        <a:rPr lang="es-MX" sz="1000" baseline="0" dirty="0" smtClean="0"/>
+                        <a:rPr lang="es-MX" sz="900" baseline="0" dirty="0" smtClean="0"/>
                         <a:t> de la mediana </a:t>
                       </a:r>
-                      <a:endParaRPr lang="es-MX" sz="1000" b="0" i="0" u="none" dirty="0">
+                      <a:endParaRPr lang="es-MX" sz="900" b="0" i="0" u="none" dirty="0">
                         <a:solidFill>
                           <a:srgbClr val="FF0000"/>
                         </a:solidFill>
@@ -6416,14 +6423,14 @@
                     <a:lstStyle/>
                     <a:p>
                       <a:r>
-                        <a:rPr lang="es-MX" sz="1000" b="1" i="0" u="none" dirty="0" smtClean="0">
+                        <a:rPr lang="es-ES" sz="900" b="1" i="0" u="none" dirty="0" smtClean="0">
                           <a:solidFill>
                             <a:srgbClr val="00B050"/>
                           </a:solidFill>
                         </a:rPr>
-                        <a:t>H309</a:t>
-                      </a:r>
-                      <a:endParaRPr lang="es-MX" sz="1000" b="1" i="0" u="none" dirty="0">
+                        <a:t>9</a:t>
+                      </a:r>
+                      <a:endParaRPr lang="es-MX" sz="900" b="1" i="0" u="none" dirty="0">
                         <a:solidFill>
                           <a:srgbClr val="00B050"/>
                         </a:solidFill>
@@ -6445,14 +6452,14 @@
                     <a:lstStyle/>
                     <a:p>
                       <a:r>
-                        <a:rPr lang="es-MX" sz="1000" dirty="0" smtClean="0"/>
+                        <a:rPr lang="es-MX" sz="900" dirty="0" smtClean="0"/>
                         <a:t>Conversión</a:t>
                       </a:r>
                       <a:r>
-                        <a:rPr lang="es-MX" sz="1000" baseline="0" dirty="0" smtClean="0"/>
+                        <a:rPr lang="es-MX" sz="900" baseline="0" dirty="0" smtClean="0"/>
                         <a:t> de texto cardinal a números naturales y viceversa </a:t>
                       </a:r>
-                      <a:endParaRPr lang="es-MX" sz="1000" b="0" i="0" u="none" dirty="0">
+                      <a:endParaRPr lang="es-MX" sz="900" b="0" i="0" u="none" dirty="0">
                         <a:solidFill>
                           <a:schemeClr val="tx1"/>
                         </a:solidFill>
@@ -6474,7 +6481,7 @@
                     <a:bodyPr/>
                     <a:lstStyle/>
                     <a:p>
-                      <a:endParaRPr lang="es-MX" sz="1000" b="1" i="0" u="none" dirty="0">
+                      <a:endParaRPr lang="es-MX" sz="900" b="1" i="0" u="none" dirty="0">
                         <a:solidFill>
                           <a:srgbClr val="00A249"/>
                         </a:solidFill>
@@ -6488,7 +6495,7 @@
                     <a:bodyPr/>
                     <a:lstStyle/>
                     <a:p>
-                      <a:endParaRPr lang="es-MX" sz="1000" b="0" i="0" u="none" dirty="0">
+                      <a:endParaRPr lang="es-MX" sz="900" b="0" i="0" u="none" dirty="0">
                         <a:solidFill>
                           <a:srgbClr val="FF0000"/>
                         </a:solidFill>
@@ -6505,14 +6512,14 @@
                     <a:lstStyle/>
                     <a:p>
                       <a:r>
-                        <a:rPr lang="es-MX" sz="1000" b="1" i="0" u="none" dirty="0" smtClean="0">
+                        <a:rPr lang="es-ES" sz="900" b="1" i="0" u="none" dirty="0" smtClean="0">
                           <a:solidFill>
                             <a:srgbClr val="00B050"/>
                           </a:solidFill>
                         </a:rPr>
-                        <a:t>H305</a:t>
-                      </a:r>
-                      <a:endParaRPr lang="es-MX" sz="1000" b="1" i="0" u="none" dirty="0">
+                        <a:t>5</a:t>
+                      </a:r>
+                      <a:endParaRPr lang="es-MX" sz="900" b="1" i="0" u="none" dirty="0">
                         <a:solidFill>
                           <a:srgbClr val="00B050"/>
                         </a:solidFill>
@@ -6535,10 +6542,10 @@
                     <a:p>
                       <a:pPr algn="l"/>
                       <a:r>
-                        <a:rPr lang="es-MX" sz="1000" dirty="0" smtClean="0"/>
+                        <a:rPr lang="es-MX" sz="900" dirty="0" smtClean="0"/>
                         <a:t>Amplificación de fracciones (Equivalencia de fracciones por amplificación)</a:t>
                       </a:r>
-                      <a:endParaRPr lang="es-MX" sz="1000" b="0" i="0" u="none" dirty="0">
+                      <a:endParaRPr lang="es-MX" sz="900" b="0" i="0" u="none" dirty="0">
                         <a:solidFill>
                           <a:srgbClr val="FF0000"/>
                         </a:solidFill>
@@ -6560,14 +6567,14 @@
                     <a:lstStyle/>
                     <a:p>
                       <a:r>
-                        <a:rPr lang="es-MX" sz="1000" b="1" i="0" u="none" dirty="0" smtClean="0">
+                        <a:rPr lang="es-ES" sz="900" b="1" i="0" u="none" dirty="0" smtClean="0">
                           <a:solidFill>
                             <a:srgbClr val="00B050"/>
                           </a:solidFill>
                         </a:rPr>
-                        <a:t>H310</a:t>
-                      </a:r>
-                      <a:endParaRPr lang="es-MX" sz="1000" b="1" i="0" u="none" dirty="0">
+                        <a:t>10</a:t>
+                      </a:r>
+                      <a:endParaRPr lang="es-MX" sz="900" b="1" i="0" u="none" dirty="0">
                         <a:solidFill>
                           <a:srgbClr val="00B050"/>
                         </a:solidFill>
@@ -6589,10 +6596,10 @@
                     <a:lstStyle/>
                     <a:p>
                       <a:r>
-                        <a:rPr lang="es-MX" sz="1000" baseline="0" dirty="0" smtClean="0"/>
+                        <a:rPr lang="es-MX" sz="900" baseline="0" dirty="0" smtClean="0"/>
                         <a:t>Operación de valores posicionales con números naturales o decimales </a:t>
                       </a:r>
-                      <a:endParaRPr lang="es-MX" sz="1000" b="0" i="0" u="none" dirty="0">
+                      <a:endParaRPr lang="es-MX" sz="900" b="0" i="0" u="none" dirty="0">
                         <a:solidFill>
                           <a:schemeClr val="tx1"/>
                         </a:solidFill>
@@ -6614,7 +6621,7 @@
                     <a:bodyPr/>
                     <a:lstStyle/>
                     <a:p>
-                      <a:endParaRPr lang="es-MX" sz="1000" b="1" i="0" u="none" dirty="0">
+                      <a:endParaRPr lang="es-MX" sz="900" b="1" i="0" u="none" dirty="0">
                         <a:solidFill>
                           <a:srgbClr val="00A249"/>
                         </a:solidFill>
@@ -6628,7 +6635,7 @@
                     <a:bodyPr/>
                     <a:lstStyle/>
                     <a:p>
-                      <a:endParaRPr lang="es-MX" sz="1000" b="0" i="0" u="none" dirty="0">
+                      <a:endParaRPr lang="es-MX" sz="900" b="0" i="0" u="none" dirty="0">
                         <a:solidFill>
                           <a:srgbClr val="FF0000"/>
                         </a:solidFill>
@@ -6784,6 +6791,13 @@
   <p:clrMapOvr>
     <a:masterClrMapping/>
   </p:clrMapOvr>
+  <p:timing>
+    <p:tnLst>
+      <p:par>
+        <p:cTn id="1" dur="indefinite" restart="never" nodeType="tmRoot"/>
+      </p:par>
+    </p:tnLst>
+  </p:timing>
 </p:sld>
 </file>
 
@@ -15126,7 +15140,7 @@
     </a:clrScheme>
     <a:fontScheme name="Office">
       <a:majorFont>
-        <a:latin typeface="Calibri Light" panose="020F0302020204030204"/>
+        <a:latin typeface="Calibri Light"/>
         <a:ea typeface=""/>
         <a:cs typeface=""/>
         <a:font script="Jpan" typeface="ＭＳ Ｐゴシック"/>
@@ -15161,7 +15175,7 @@
         <a:font script="Geor" typeface="Sylfaen"/>
       </a:majorFont>
       <a:minorFont>
-        <a:latin typeface="Calibri" panose="020F0502020204030204"/>
+        <a:latin typeface="Calibri"/>
         <a:ea typeface=""/>
         <a:cs typeface=""/>
         <a:font script="Jpan" typeface="ＭＳ Ｐゴシック"/>
@@ -15338,7 +15352,7 @@
   <a:extraClrSchemeLst/>
   <a:extLst>
     <a:ext uri="{05A4C25C-085E-4340-85A3-A5531E510DB2}">
-      <thm15:themeFamily xmlns:thm15="http://schemas.microsoft.com/office/thememl/2012/main" name="Office Theme" id="{62F939B6-93AF-4DB8-9C6B-D6C7DFDC589F}" vid="{4A3C46E8-61CC-4603-A589-7422A47A8E4A}"/>
+      <thm15:themeFamily xmlns:thm15="http://schemas.microsoft.com/office/thememl/2012/main" xmlns="" name="Office Theme" id="{62F939B6-93AF-4DB8-9C6B-D6C7DFDC589F}" vid="{4A3C46E8-61CC-4603-A589-7422A47A8E4A}"/>
     </a:ext>
   </a:extLst>
 </a:theme>
@@ -15387,7 +15401,7 @@
     </a:clrScheme>
     <a:fontScheme name="Office">
       <a:majorFont>
-        <a:latin typeface="Calibri Light" panose="020F0302020204030204"/>
+        <a:latin typeface="Calibri Light"/>
         <a:ea typeface=""/>
         <a:cs typeface=""/>
         <a:font script="Jpan" typeface="ＭＳ Ｐゴシック"/>
@@ -15422,7 +15436,7 @@
         <a:font script="Geor" typeface="Sylfaen"/>
       </a:majorFont>
       <a:minorFont>
-        <a:latin typeface="Calibri" panose="020F0502020204030204"/>
+        <a:latin typeface="Calibri"/>
         <a:ea typeface=""/>
         <a:cs typeface=""/>
         <a:font script="Jpan" typeface="ＭＳ Ｐゴシック"/>
@@ -15599,7 +15613,7 @@
   <a:extraClrSchemeLst/>
   <a:extLst>
     <a:ext uri="{05A4C25C-085E-4340-85A3-A5531E510DB2}">
-      <thm15:themeFamily xmlns:thm15="http://schemas.microsoft.com/office/thememl/2012/main" name="Office Theme" id="{62F939B6-93AF-4DB8-9C6B-D6C7DFDC589F}" vid="{4A3C46E8-61CC-4603-A589-7422A47A8E4A}"/>
+      <thm15:themeFamily xmlns:thm15="http://schemas.microsoft.com/office/thememl/2012/main" xmlns="" name="Office Theme" id="{62F939B6-93AF-4DB8-9C6B-D6C7DFDC589F}" vid="{4A3C46E8-61CC-4603-A589-7422A47A8E4A}"/>
     </a:ext>
   </a:extLst>
 </a:theme>
